--- a/diagrams/jboss-eap-on-vms-ha-dr-solution-architecture.pptx
+++ b/diagrams/jboss-eap-on-vms-ha-dr-solution-architecture.pptx
@@ -3833,7 +3833,27 @@
                 <a:latin typeface="Arial" panose="020B0604020202020204" pitchFamily="34" charset="0"/>
                 <a:cs typeface="Arial" panose="020B0604020202020204" pitchFamily="34" charset="0"/>
               </a:rPr>
-              <a:t>Domain controller</a:t>
+              <a:t>Domain </a:t>
+            </a:r>
+            <a:r>
+              <a:rPr lang="en-US" altLang="zh-CN" sz="1200" b="1" dirty="0">
+                <a:solidFill>
+                  <a:srgbClr val="0070C0"/>
+                </a:solidFill>
+                <a:latin typeface="Arial" panose="020B0604020202020204" pitchFamily="34" charset="0"/>
+                <a:cs typeface="Arial" panose="020B0604020202020204" pitchFamily="34" charset="0"/>
+              </a:rPr>
+              <a:t>C</a:t>
+            </a:r>
+            <a:r>
+              <a:rPr lang="en-US" sz="1200" b="1" dirty="0">
+                <a:solidFill>
+                  <a:srgbClr val="0070C0"/>
+                </a:solidFill>
+                <a:latin typeface="Arial" panose="020B0604020202020204" pitchFamily="34" charset="0"/>
+                <a:cs typeface="Arial" panose="020B0604020202020204" pitchFamily="34" charset="0"/>
+              </a:rPr>
+              <a:t>ontroller</a:t>
             </a:r>
           </a:p>
         </p:txBody>
@@ -4607,7 +4627,7 @@
                 <a:latin typeface="Arial" panose="020B0604020202020204" pitchFamily="34" charset="0"/>
                 <a:cs typeface="Arial" panose="020B0604020202020204" pitchFamily="34" charset="0"/>
               </a:rPr>
-              <a:t>Domain controller</a:t>
+              <a:t>Domain Controller</a:t>
             </a:r>
           </a:p>
         </p:txBody>
@@ -4944,8 +4964,8 @@
         </p:nvSpPr>
         <p:spPr>
           <a:xfrm>
-            <a:off x="6775370" y="2446652"/>
-            <a:ext cx="4190691" cy="2067655"/>
+            <a:off x="6546462" y="2446652"/>
+            <a:ext cx="4419599" cy="2067655"/>
           </a:xfrm>
           <a:prstGeom prst="rect">
             <a:avLst/>
@@ -5764,7 +5784,7 @@
         <p:spPr>
           <a:xfrm>
             <a:off x="5351140" y="3478804"/>
-            <a:ext cx="1424230" cy="1676"/>
+            <a:ext cx="1195322" cy="1676"/>
           </a:xfrm>
           <a:prstGeom prst="line">
             <a:avLst/>
